--- a/docs/goadot/TARA - Brochure - DOT.pptx
+++ b/docs/goadot/TARA - Brochure - DOT.pptx
@@ -165,10 +165,9 @@
           </a:lstStyle>
           <a:p>
             <a:r>
-              <a:rPr lang="en-US" smtClean="0"/>
+              <a:rPr lang="en-US"/>
               <a:t>Click to edit Master title style</a:t>
             </a:r>
-            <a:endParaRPr lang="en-US"/>
           </a:p>
         </p:txBody>
       </p:sp>
@@ -230,10 +229,9 @@
           </a:lstStyle>
           <a:p>
             <a:r>
-              <a:rPr lang="en-US" smtClean="0"/>
+              <a:rPr lang="en-US"/>
               <a:t>Click to edit Master subtitle style</a:t>
             </a:r>
-            <a:endParaRPr lang="en-US"/>
           </a:p>
         </p:txBody>
       </p:sp>
@@ -254,7 +252,7 @@
           <a:p>
             <a:fld id="{51B9B08D-8601-41A3-B91E-8512BA77A3C3}" type="datetimeFigureOut">
               <a:rPr lang="en-US" smtClean="0"/>
-              <a:t>8/9/2017</a:t>
+              <a:t>30-Oct-18</a:t>
             </a:fld>
             <a:endParaRPr lang="en-US"/>
           </a:p>
@@ -348,10 +346,9 @@
           <a:lstStyle/>
           <a:p>
             <a:r>
-              <a:rPr lang="en-US" smtClean="0"/>
+              <a:rPr lang="en-US"/>
               <a:t>Click to edit Master title style</a:t>
             </a:r>
-            <a:endParaRPr lang="en-US"/>
           </a:p>
         </p:txBody>
       </p:sp>
@@ -372,38 +369,37 @@
           <a:p>
             <a:pPr lvl="0"/>
             <a:r>
-              <a:rPr lang="en-US" smtClean="0"/>
+              <a:rPr lang="en-US"/>
               <a:t>Click to edit Master text styles</a:t>
             </a:r>
           </a:p>
           <a:p>
             <a:pPr lvl="1"/>
             <a:r>
-              <a:rPr lang="en-US" smtClean="0"/>
+              <a:rPr lang="en-US"/>
               <a:t>Second level</a:t>
             </a:r>
           </a:p>
           <a:p>
             <a:pPr lvl="2"/>
             <a:r>
-              <a:rPr lang="en-US" smtClean="0"/>
+              <a:rPr lang="en-US"/>
               <a:t>Third level</a:t>
             </a:r>
           </a:p>
           <a:p>
             <a:pPr lvl="3"/>
             <a:r>
-              <a:rPr lang="en-US" smtClean="0"/>
+              <a:rPr lang="en-US"/>
               <a:t>Fourth level</a:t>
             </a:r>
           </a:p>
           <a:p>
             <a:pPr lvl="4"/>
             <a:r>
-              <a:rPr lang="en-US" smtClean="0"/>
+              <a:rPr lang="en-US"/>
               <a:t>Fifth level</a:t>
             </a:r>
-            <a:endParaRPr lang="en-US"/>
           </a:p>
         </p:txBody>
       </p:sp>
@@ -424,7 +420,7 @@
           <a:p>
             <a:fld id="{51B9B08D-8601-41A3-B91E-8512BA77A3C3}" type="datetimeFigureOut">
               <a:rPr lang="en-US" smtClean="0"/>
-              <a:t>8/9/2017</a:t>
+              <a:t>30-Oct-18</a:t>
             </a:fld>
             <a:endParaRPr lang="en-US"/>
           </a:p>
@@ -523,10 +519,9 @@
           <a:lstStyle/>
           <a:p>
             <a:r>
-              <a:rPr lang="en-US" smtClean="0"/>
+              <a:rPr lang="en-US"/>
               <a:t>Click to edit Master title style</a:t>
             </a:r>
-            <a:endParaRPr lang="en-US"/>
           </a:p>
         </p:txBody>
       </p:sp>
@@ -552,38 +547,37 @@
           <a:p>
             <a:pPr lvl="0"/>
             <a:r>
-              <a:rPr lang="en-US" smtClean="0"/>
+              <a:rPr lang="en-US"/>
               <a:t>Click to edit Master text styles</a:t>
             </a:r>
           </a:p>
           <a:p>
             <a:pPr lvl="1"/>
             <a:r>
-              <a:rPr lang="en-US" smtClean="0"/>
+              <a:rPr lang="en-US"/>
               <a:t>Second level</a:t>
             </a:r>
           </a:p>
           <a:p>
             <a:pPr lvl="2"/>
             <a:r>
-              <a:rPr lang="en-US" smtClean="0"/>
+              <a:rPr lang="en-US"/>
               <a:t>Third level</a:t>
             </a:r>
           </a:p>
           <a:p>
             <a:pPr lvl="3"/>
             <a:r>
-              <a:rPr lang="en-US" smtClean="0"/>
+              <a:rPr lang="en-US"/>
               <a:t>Fourth level</a:t>
             </a:r>
           </a:p>
           <a:p>
             <a:pPr lvl="4"/>
             <a:r>
-              <a:rPr lang="en-US" smtClean="0"/>
+              <a:rPr lang="en-US"/>
               <a:t>Fifth level</a:t>
             </a:r>
-            <a:endParaRPr lang="en-US"/>
           </a:p>
         </p:txBody>
       </p:sp>
@@ -604,7 +598,7 @@
           <a:p>
             <a:fld id="{51B9B08D-8601-41A3-B91E-8512BA77A3C3}" type="datetimeFigureOut">
               <a:rPr lang="en-US" smtClean="0"/>
-              <a:t>8/9/2017</a:t>
+              <a:t>30-Oct-18</a:t>
             </a:fld>
             <a:endParaRPr lang="en-US"/>
           </a:p>
@@ -707,10 +701,9 @@
           </a:lstStyle>
           <a:p>
             <a:r>
-              <a:rPr lang="en-US" smtClean="0"/>
+              <a:rPr lang="en-US"/>
               <a:t>Click to edit Master title style</a:t>
             </a:r>
-            <a:endParaRPr lang="en-US"/>
           </a:p>
         </p:txBody>
       </p:sp>
@@ -772,10 +765,9 @@
           </a:lstStyle>
           <a:p>
             <a:r>
-              <a:rPr lang="en-US" smtClean="0"/>
+              <a:rPr lang="en-US"/>
               <a:t>Click to edit Master subtitle style</a:t>
             </a:r>
-            <a:endParaRPr lang="en-US"/>
           </a:p>
         </p:txBody>
       </p:sp>
@@ -796,7 +788,7 @@
           <a:p>
             <a:fld id="{2C04DBC2-07EF-4742-87CC-7D83D9A82A6E}" type="datetimeFigureOut">
               <a:rPr lang="en-US" smtClean="0"/>
-              <a:t>8/9/2017</a:t>
+              <a:t>30-Oct-18</a:t>
             </a:fld>
             <a:endParaRPr lang="en-US"/>
           </a:p>
@@ -890,10 +882,9 @@
           <a:lstStyle/>
           <a:p>
             <a:r>
-              <a:rPr lang="en-US" smtClean="0"/>
+              <a:rPr lang="en-US"/>
               <a:t>Click to edit Master title style</a:t>
             </a:r>
-            <a:endParaRPr lang="en-US"/>
           </a:p>
         </p:txBody>
       </p:sp>
@@ -914,38 +905,37 @@
           <a:p>
             <a:pPr lvl="0"/>
             <a:r>
-              <a:rPr lang="en-US" smtClean="0"/>
+              <a:rPr lang="en-US"/>
               <a:t>Click to edit Master text styles</a:t>
             </a:r>
           </a:p>
           <a:p>
             <a:pPr lvl="1"/>
             <a:r>
-              <a:rPr lang="en-US" smtClean="0"/>
+              <a:rPr lang="en-US"/>
               <a:t>Second level</a:t>
             </a:r>
           </a:p>
           <a:p>
             <a:pPr lvl="2"/>
             <a:r>
-              <a:rPr lang="en-US" smtClean="0"/>
+              <a:rPr lang="en-US"/>
               <a:t>Third level</a:t>
             </a:r>
           </a:p>
           <a:p>
             <a:pPr lvl="3"/>
             <a:r>
-              <a:rPr lang="en-US" smtClean="0"/>
+              <a:rPr lang="en-US"/>
               <a:t>Fourth level</a:t>
             </a:r>
           </a:p>
           <a:p>
             <a:pPr lvl="4"/>
             <a:r>
-              <a:rPr lang="en-US" smtClean="0"/>
+              <a:rPr lang="en-US"/>
               <a:t>Fifth level</a:t>
             </a:r>
-            <a:endParaRPr lang="en-US"/>
           </a:p>
         </p:txBody>
       </p:sp>
@@ -966,7 +956,7 @@
           <a:p>
             <a:fld id="{2C04DBC2-07EF-4742-87CC-7D83D9A82A6E}" type="datetimeFigureOut">
               <a:rPr lang="en-US" smtClean="0"/>
-              <a:t>8/9/2017</a:t>
+              <a:t>30-Oct-18</a:t>
             </a:fld>
             <a:endParaRPr lang="en-US"/>
           </a:p>
@@ -1069,10 +1059,9 @@
           </a:lstStyle>
           <a:p>
             <a:r>
-              <a:rPr lang="en-US" smtClean="0"/>
+              <a:rPr lang="en-US"/>
               <a:t>Click to edit Master title style</a:t>
             </a:r>
-            <a:endParaRPr lang="en-US"/>
           </a:p>
         </p:txBody>
       </p:sp>
@@ -1189,7 +1178,7 @@
           <a:p>
             <a:pPr lvl="0"/>
             <a:r>
-              <a:rPr lang="en-US" smtClean="0"/>
+              <a:rPr lang="en-US"/>
               <a:t>Click to edit Master text styles</a:t>
             </a:r>
           </a:p>
@@ -1212,7 +1201,7 @@
           <a:p>
             <a:fld id="{2C04DBC2-07EF-4742-87CC-7D83D9A82A6E}" type="datetimeFigureOut">
               <a:rPr lang="en-US" smtClean="0"/>
-              <a:t>8/9/2017</a:t>
+              <a:t>30-Oct-18</a:t>
             </a:fld>
             <a:endParaRPr lang="en-US"/>
           </a:p>
@@ -1306,10 +1295,9 @@
           <a:lstStyle/>
           <a:p>
             <a:r>
-              <a:rPr lang="en-US" smtClean="0"/>
+              <a:rPr lang="en-US"/>
               <a:t>Click to edit Master title style</a:t>
             </a:r>
-            <a:endParaRPr lang="en-US"/>
           </a:p>
         </p:txBody>
       </p:sp>
@@ -1335,38 +1323,37 @@
           <a:p>
             <a:pPr lvl="0"/>
             <a:r>
-              <a:rPr lang="en-US" smtClean="0"/>
+              <a:rPr lang="en-US"/>
               <a:t>Click to edit Master text styles</a:t>
             </a:r>
           </a:p>
           <a:p>
             <a:pPr lvl="1"/>
             <a:r>
-              <a:rPr lang="en-US" smtClean="0"/>
+              <a:rPr lang="en-US"/>
               <a:t>Second level</a:t>
             </a:r>
           </a:p>
           <a:p>
             <a:pPr lvl="2"/>
             <a:r>
-              <a:rPr lang="en-US" smtClean="0"/>
+              <a:rPr lang="en-US"/>
               <a:t>Third level</a:t>
             </a:r>
           </a:p>
           <a:p>
             <a:pPr lvl="3"/>
             <a:r>
-              <a:rPr lang="en-US" smtClean="0"/>
+              <a:rPr lang="en-US"/>
               <a:t>Fourth level</a:t>
             </a:r>
           </a:p>
           <a:p>
             <a:pPr lvl="4"/>
             <a:r>
-              <a:rPr lang="en-US" smtClean="0"/>
+              <a:rPr lang="en-US"/>
               <a:t>Fifth level</a:t>
             </a:r>
-            <a:endParaRPr lang="en-US"/>
           </a:p>
         </p:txBody>
       </p:sp>
@@ -1392,38 +1379,37 @@
           <a:p>
             <a:pPr lvl="0"/>
             <a:r>
-              <a:rPr lang="en-US" smtClean="0"/>
+              <a:rPr lang="en-US"/>
               <a:t>Click to edit Master text styles</a:t>
             </a:r>
           </a:p>
           <a:p>
             <a:pPr lvl="1"/>
             <a:r>
-              <a:rPr lang="en-US" smtClean="0"/>
+              <a:rPr lang="en-US"/>
               <a:t>Second level</a:t>
             </a:r>
           </a:p>
           <a:p>
             <a:pPr lvl="2"/>
             <a:r>
-              <a:rPr lang="en-US" smtClean="0"/>
+              <a:rPr lang="en-US"/>
               <a:t>Third level</a:t>
             </a:r>
           </a:p>
           <a:p>
             <a:pPr lvl="3"/>
             <a:r>
-              <a:rPr lang="en-US" smtClean="0"/>
+              <a:rPr lang="en-US"/>
               <a:t>Fourth level</a:t>
             </a:r>
           </a:p>
           <a:p>
             <a:pPr lvl="4"/>
             <a:r>
-              <a:rPr lang="en-US" smtClean="0"/>
+              <a:rPr lang="en-US"/>
               <a:t>Fifth level</a:t>
             </a:r>
-            <a:endParaRPr lang="en-US"/>
           </a:p>
         </p:txBody>
       </p:sp>
@@ -1444,7 +1430,7 @@
           <a:p>
             <a:fld id="{2C04DBC2-07EF-4742-87CC-7D83D9A82A6E}" type="datetimeFigureOut">
               <a:rPr lang="en-US" smtClean="0"/>
-              <a:t>8/9/2017</a:t>
+              <a:t>30-Oct-18</a:t>
             </a:fld>
             <a:endParaRPr lang="en-US"/>
           </a:p>
@@ -1543,10 +1529,9 @@
           <a:lstStyle/>
           <a:p>
             <a:r>
-              <a:rPr lang="en-US" smtClean="0"/>
+              <a:rPr lang="en-US"/>
               <a:t>Click to edit Master title style</a:t>
             </a:r>
-            <a:endParaRPr lang="en-US"/>
           </a:p>
         </p:txBody>
       </p:sp>
@@ -1609,7 +1594,7 @@
           <a:p>
             <a:pPr lvl="0"/>
             <a:r>
-              <a:rPr lang="en-US" smtClean="0"/>
+              <a:rPr lang="en-US"/>
               <a:t>Click to edit Master text styles</a:t>
             </a:r>
           </a:p>
@@ -1637,38 +1622,37 @@
           <a:p>
             <a:pPr lvl="0"/>
             <a:r>
-              <a:rPr lang="en-US" smtClean="0"/>
+              <a:rPr lang="en-US"/>
               <a:t>Click to edit Master text styles</a:t>
             </a:r>
           </a:p>
           <a:p>
             <a:pPr lvl="1"/>
             <a:r>
-              <a:rPr lang="en-US" smtClean="0"/>
+              <a:rPr lang="en-US"/>
               <a:t>Second level</a:t>
             </a:r>
           </a:p>
           <a:p>
             <a:pPr lvl="2"/>
             <a:r>
-              <a:rPr lang="en-US" smtClean="0"/>
+              <a:rPr lang="en-US"/>
               <a:t>Third level</a:t>
             </a:r>
           </a:p>
           <a:p>
             <a:pPr lvl="3"/>
             <a:r>
-              <a:rPr lang="en-US" smtClean="0"/>
+              <a:rPr lang="en-US"/>
               <a:t>Fourth level</a:t>
             </a:r>
           </a:p>
           <a:p>
             <a:pPr lvl="4"/>
             <a:r>
-              <a:rPr lang="en-US" smtClean="0"/>
+              <a:rPr lang="en-US"/>
               <a:t>Fifth level</a:t>
             </a:r>
-            <a:endParaRPr lang="en-US"/>
           </a:p>
         </p:txBody>
       </p:sp>
@@ -1731,7 +1715,7 @@
           <a:p>
             <a:pPr lvl="0"/>
             <a:r>
-              <a:rPr lang="en-US" smtClean="0"/>
+              <a:rPr lang="en-US"/>
               <a:t>Click to edit Master text styles</a:t>
             </a:r>
           </a:p>
@@ -1759,38 +1743,37 @@
           <a:p>
             <a:pPr lvl="0"/>
             <a:r>
-              <a:rPr lang="en-US" smtClean="0"/>
+              <a:rPr lang="en-US"/>
               <a:t>Click to edit Master text styles</a:t>
             </a:r>
           </a:p>
           <a:p>
             <a:pPr lvl="1"/>
             <a:r>
-              <a:rPr lang="en-US" smtClean="0"/>
+              <a:rPr lang="en-US"/>
               <a:t>Second level</a:t>
             </a:r>
           </a:p>
           <a:p>
             <a:pPr lvl="2"/>
             <a:r>
-              <a:rPr lang="en-US" smtClean="0"/>
+              <a:rPr lang="en-US"/>
               <a:t>Third level</a:t>
             </a:r>
           </a:p>
           <a:p>
             <a:pPr lvl="3"/>
             <a:r>
-              <a:rPr lang="en-US" smtClean="0"/>
+              <a:rPr lang="en-US"/>
               <a:t>Fourth level</a:t>
             </a:r>
           </a:p>
           <a:p>
             <a:pPr lvl="4"/>
             <a:r>
-              <a:rPr lang="en-US" smtClean="0"/>
+              <a:rPr lang="en-US"/>
               <a:t>Fifth level</a:t>
             </a:r>
-            <a:endParaRPr lang="en-US"/>
           </a:p>
         </p:txBody>
       </p:sp>
@@ -1811,7 +1794,7 @@
           <a:p>
             <a:fld id="{2C04DBC2-07EF-4742-87CC-7D83D9A82A6E}" type="datetimeFigureOut">
               <a:rPr lang="en-US" smtClean="0"/>
-              <a:t>8/9/2017</a:t>
+              <a:t>30-Oct-18</a:t>
             </a:fld>
             <a:endParaRPr lang="en-US"/>
           </a:p>
@@ -1905,10 +1888,9 @@
           <a:lstStyle/>
           <a:p>
             <a:r>
-              <a:rPr lang="en-US" smtClean="0"/>
+              <a:rPr lang="en-US"/>
               <a:t>Click to edit Master title style</a:t>
             </a:r>
-            <a:endParaRPr lang="en-US"/>
           </a:p>
         </p:txBody>
       </p:sp>
@@ -1929,7 +1911,7 @@
           <a:p>
             <a:fld id="{2C04DBC2-07EF-4742-87CC-7D83D9A82A6E}" type="datetimeFigureOut">
               <a:rPr lang="en-US" smtClean="0"/>
-              <a:t>8/9/2017</a:t>
+              <a:t>30-Oct-18</a:t>
             </a:fld>
             <a:endParaRPr lang="en-US"/>
           </a:p>
@@ -2024,7 +2006,7 @@
           <a:p>
             <a:fld id="{2C04DBC2-07EF-4742-87CC-7D83D9A82A6E}" type="datetimeFigureOut">
               <a:rPr lang="en-US" smtClean="0"/>
-              <a:t>8/9/2017</a:t>
+              <a:t>30-Oct-18</a:t>
             </a:fld>
             <a:endParaRPr lang="en-US"/>
           </a:p>
@@ -2127,10 +2109,9 @@
           </a:lstStyle>
           <a:p>
             <a:r>
-              <a:rPr lang="en-US" smtClean="0"/>
+              <a:rPr lang="en-US"/>
               <a:t>Click to edit Master title style</a:t>
             </a:r>
-            <a:endParaRPr lang="en-US"/>
           </a:p>
         </p:txBody>
       </p:sp>
@@ -2184,38 +2165,37 @@
           <a:p>
             <a:pPr lvl="0"/>
             <a:r>
-              <a:rPr lang="en-US" smtClean="0"/>
+              <a:rPr lang="en-US"/>
               <a:t>Click to edit Master text styles</a:t>
             </a:r>
           </a:p>
           <a:p>
             <a:pPr lvl="1"/>
             <a:r>
-              <a:rPr lang="en-US" smtClean="0"/>
+              <a:rPr lang="en-US"/>
               <a:t>Second level</a:t>
             </a:r>
           </a:p>
           <a:p>
             <a:pPr lvl="2"/>
             <a:r>
-              <a:rPr lang="en-US" smtClean="0"/>
+              <a:rPr lang="en-US"/>
               <a:t>Third level</a:t>
             </a:r>
           </a:p>
           <a:p>
             <a:pPr lvl="3"/>
             <a:r>
-              <a:rPr lang="en-US" smtClean="0"/>
+              <a:rPr lang="en-US"/>
               <a:t>Fourth level</a:t>
             </a:r>
           </a:p>
           <a:p>
             <a:pPr lvl="4"/>
             <a:r>
-              <a:rPr lang="en-US" smtClean="0"/>
+              <a:rPr lang="en-US"/>
               <a:t>Fifth level</a:t>
             </a:r>
-            <a:endParaRPr lang="en-US"/>
           </a:p>
         </p:txBody>
       </p:sp>
@@ -2278,7 +2258,7 @@
           <a:p>
             <a:pPr lvl="0"/>
             <a:r>
-              <a:rPr lang="en-US" smtClean="0"/>
+              <a:rPr lang="en-US"/>
               <a:t>Click to edit Master text styles</a:t>
             </a:r>
           </a:p>
@@ -2301,7 +2281,7 @@
           <a:p>
             <a:fld id="{2C04DBC2-07EF-4742-87CC-7D83D9A82A6E}" type="datetimeFigureOut">
               <a:rPr lang="en-US" smtClean="0"/>
-              <a:t>8/9/2017</a:t>
+              <a:t>30-Oct-18</a:t>
             </a:fld>
             <a:endParaRPr lang="en-US"/>
           </a:p>
@@ -2420,10 +2400,9 @@
           </a:lstStyle>
           <a:p>
             <a:r>
-              <a:rPr lang="en-US" dirty="0" smtClean="0"/>
+              <a:rPr lang="en-US" dirty="0"/>
               <a:t>Click to edit Master title style</a:t>
             </a:r>
-            <a:endParaRPr lang="en-US" dirty="0"/>
           </a:p>
         </p:txBody>
       </p:sp>
@@ -2449,38 +2428,37 @@
           <a:p>
             <a:pPr lvl="0"/>
             <a:r>
-              <a:rPr lang="en-US" dirty="0" smtClean="0"/>
+              <a:rPr lang="en-US" dirty="0"/>
               <a:t>Click to edit Master text styles</a:t>
             </a:r>
           </a:p>
           <a:p>
             <a:pPr lvl="1"/>
             <a:r>
-              <a:rPr lang="en-US" dirty="0" smtClean="0"/>
+              <a:rPr lang="en-US" dirty="0"/>
               <a:t>Second level</a:t>
             </a:r>
           </a:p>
           <a:p>
             <a:pPr lvl="2"/>
             <a:r>
-              <a:rPr lang="en-US" dirty="0" smtClean="0"/>
+              <a:rPr lang="en-US" dirty="0"/>
               <a:t>Third level</a:t>
             </a:r>
           </a:p>
           <a:p>
             <a:pPr lvl="3"/>
             <a:r>
-              <a:rPr lang="en-US" dirty="0" smtClean="0"/>
+              <a:rPr lang="en-US" dirty="0"/>
               <a:t>Fourth level</a:t>
             </a:r>
           </a:p>
           <a:p>
             <a:pPr lvl="4"/>
             <a:r>
-              <a:rPr lang="en-US" dirty="0" smtClean="0"/>
+              <a:rPr lang="en-US" dirty="0"/>
               <a:t>Fifth level</a:t>
             </a:r>
-            <a:endParaRPr lang="en-US" dirty="0"/>
           </a:p>
         </p:txBody>
       </p:sp>
@@ -2501,7 +2479,7 @@
           <a:p>
             <a:fld id="{51B9B08D-8601-41A3-B91E-8512BA77A3C3}" type="datetimeFigureOut">
               <a:rPr lang="en-US" smtClean="0"/>
-              <a:t>8/9/2017</a:t>
+              <a:t>30-Oct-18</a:t>
             </a:fld>
             <a:endParaRPr lang="en-US" dirty="0"/>
           </a:p>
@@ -2523,10 +2501,9 @@
           <a:lstStyle/>
           <a:p>
             <a:r>
-              <a:rPr lang="en-US" dirty="0" smtClean="0"/>
+              <a:rPr lang="en-US" dirty="0"/>
               <a:t>Bringing Public Transport at your Fingertips</a:t>
             </a:r>
-            <a:endParaRPr lang="en-US" dirty="0"/>
           </a:p>
         </p:txBody>
       </p:sp>
@@ -2563,13 +2540,6 @@
   <p:clrMapOvr>
     <a:overrideClrMapping bg1="lt1" tx1="dk1" bg2="lt2" tx2="dk2" accent1="accent1" accent2="accent2" accent3="accent3" accent4="accent4" accent5="accent5" accent6="accent6" hlink="hlink" folHlink="folHlink"/>
   </p:clrMapOvr>
-  <p:timing>
-    <p:tnLst>
-      <p:par>
-        <p:cTn id="1" dur="indefinite" restart="never" nodeType="tmRoot"/>
-      </p:par>
-    </p:tnLst>
-  </p:timing>
 </p:sldLayout>
 </file>
 
@@ -2615,10 +2585,9 @@
           </a:lstStyle>
           <a:p>
             <a:r>
-              <a:rPr lang="en-US" smtClean="0"/>
+              <a:rPr lang="en-US"/>
               <a:t>Click to edit Master title style</a:t>
             </a:r>
-            <a:endParaRPr lang="en-US"/>
           </a:p>
         </p:txBody>
       </p:sp>
@@ -2742,7 +2711,7 @@
           <a:p>
             <a:pPr lvl="0"/>
             <a:r>
-              <a:rPr lang="en-US" smtClean="0"/>
+              <a:rPr lang="en-US"/>
               <a:t>Click to edit Master text styles</a:t>
             </a:r>
           </a:p>
@@ -2765,7 +2734,7 @@
           <a:p>
             <a:fld id="{2C04DBC2-07EF-4742-87CC-7D83D9A82A6E}" type="datetimeFigureOut">
               <a:rPr lang="en-US" smtClean="0"/>
-              <a:t>8/9/2017</a:t>
+              <a:t>30-Oct-18</a:t>
             </a:fld>
             <a:endParaRPr lang="en-US"/>
           </a:p>
@@ -2859,10 +2828,9 @@
           <a:lstStyle/>
           <a:p>
             <a:r>
-              <a:rPr lang="en-US" smtClean="0"/>
+              <a:rPr lang="en-US"/>
               <a:t>Click to edit Master title style</a:t>
             </a:r>
-            <a:endParaRPr lang="en-US"/>
           </a:p>
         </p:txBody>
       </p:sp>
@@ -2883,38 +2851,37 @@
           <a:p>
             <a:pPr lvl="0"/>
             <a:r>
-              <a:rPr lang="en-US" smtClean="0"/>
+              <a:rPr lang="en-US"/>
               <a:t>Click to edit Master text styles</a:t>
             </a:r>
           </a:p>
           <a:p>
             <a:pPr lvl="1"/>
             <a:r>
-              <a:rPr lang="en-US" smtClean="0"/>
+              <a:rPr lang="en-US"/>
               <a:t>Second level</a:t>
             </a:r>
           </a:p>
           <a:p>
             <a:pPr lvl="2"/>
             <a:r>
-              <a:rPr lang="en-US" smtClean="0"/>
+              <a:rPr lang="en-US"/>
               <a:t>Third level</a:t>
             </a:r>
           </a:p>
           <a:p>
             <a:pPr lvl="3"/>
             <a:r>
-              <a:rPr lang="en-US" smtClean="0"/>
+              <a:rPr lang="en-US"/>
               <a:t>Fourth level</a:t>
             </a:r>
           </a:p>
           <a:p>
             <a:pPr lvl="4"/>
             <a:r>
-              <a:rPr lang="en-US" smtClean="0"/>
+              <a:rPr lang="en-US"/>
               <a:t>Fifth level</a:t>
             </a:r>
-            <a:endParaRPr lang="en-US"/>
           </a:p>
         </p:txBody>
       </p:sp>
@@ -2935,7 +2902,7 @@
           <a:p>
             <a:fld id="{2C04DBC2-07EF-4742-87CC-7D83D9A82A6E}" type="datetimeFigureOut">
               <a:rPr lang="en-US" smtClean="0"/>
-              <a:t>8/9/2017</a:t>
+              <a:t>30-Oct-18</a:t>
             </a:fld>
             <a:endParaRPr lang="en-US"/>
           </a:p>
@@ -3034,10 +3001,9 @@
           <a:lstStyle/>
           <a:p>
             <a:r>
-              <a:rPr lang="en-US" smtClean="0"/>
+              <a:rPr lang="en-US"/>
               <a:t>Click to edit Master title style</a:t>
             </a:r>
-            <a:endParaRPr lang="en-US"/>
           </a:p>
         </p:txBody>
       </p:sp>
@@ -3063,38 +3029,37 @@
           <a:p>
             <a:pPr lvl="0"/>
             <a:r>
-              <a:rPr lang="en-US" smtClean="0"/>
+              <a:rPr lang="en-US"/>
               <a:t>Click to edit Master text styles</a:t>
             </a:r>
           </a:p>
           <a:p>
             <a:pPr lvl="1"/>
             <a:r>
-              <a:rPr lang="en-US" smtClean="0"/>
+              <a:rPr lang="en-US"/>
               <a:t>Second level</a:t>
             </a:r>
           </a:p>
           <a:p>
             <a:pPr lvl="2"/>
             <a:r>
-              <a:rPr lang="en-US" smtClean="0"/>
+              <a:rPr lang="en-US"/>
               <a:t>Third level</a:t>
             </a:r>
           </a:p>
           <a:p>
             <a:pPr lvl="3"/>
             <a:r>
-              <a:rPr lang="en-US" smtClean="0"/>
+              <a:rPr lang="en-US"/>
               <a:t>Fourth level</a:t>
             </a:r>
           </a:p>
           <a:p>
             <a:pPr lvl="4"/>
             <a:r>
-              <a:rPr lang="en-US" smtClean="0"/>
+              <a:rPr lang="en-US"/>
               <a:t>Fifth level</a:t>
             </a:r>
-            <a:endParaRPr lang="en-US"/>
           </a:p>
         </p:txBody>
       </p:sp>
@@ -3115,7 +3080,7 @@
           <a:p>
             <a:fld id="{2C04DBC2-07EF-4742-87CC-7D83D9A82A6E}" type="datetimeFigureOut">
               <a:rPr lang="en-US" smtClean="0"/>
-              <a:t>8/9/2017</a:t>
+              <a:t>30-Oct-18</a:t>
             </a:fld>
             <a:endParaRPr lang="en-US"/>
           </a:p>
@@ -3218,10 +3183,9 @@
           </a:lstStyle>
           <a:p>
             <a:r>
-              <a:rPr lang="en-US" smtClean="0"/>
+              <a:rPr lang="en-US"/>
               <a:t>Click to edit Master title style</a:t>
             </a:r>
-            <a:endParaRPr lang="en-US"/>
           </a:p>
         </p:txBody>
       </p:sp>
@@ -3338,7 +3302,7 @@
           <a:p>
             <a:pPr lvl="0"/>
             <a:r>
-              <a:rPr lang="en-US" smtClean="0"/>
+              <a:rPr lang="en-US"/>
               <a:t>Click to edit Master text styles</a:t>
             </a:r>
           </a:p>
@@ -3361,7 +3325,7 @@
           <a:p>
             <a:fld id="{51B9B08D-8601-41A3-B91E-8512BA77A3C3}" type="datetimeFigureOut">
               <a:rPr lang="en-US" smtClean="0"/>
-              <a:t>8/9/2017</a:t>
+              <a:t>30-Oct-18</a:t>
             </a:fld>
             <a:endParaRPr lang="en-US"/>
           </a:p>
@@ -3455,10 +3419,9 @@
           <a:lstStyle/>
           <a:p>
             <a:r>
-              <a:rPr lang="en-US" smtClean="0"/>
+              <a:rPr lang="en-US"/>
               <a:t>Click to edit Master title style</a:t>
             </a:r>
-            <a:endParaRPr lang="en-US"/>
           </a:p>
         </p:txBody>
       </p:sp>
@@ -3484,38 +3447,37 @@
           <a:p>
             <a:pPr lvl="0"/>
             <a:r>
-              <a:rPr lang="en-US" smtClean="0"/>
+              <a:rPr lang="en-US"/>
               <a:t>Click to edit Master text styles</a:t>
             </a:r>
           </a:p>
           <a:p>
             <a:pPr lvl="1"/>
             <a:r>
-              <a:rPr lang="en-US" smtClean="0"/>
+              <a:rPr lang="en-US"/>
               <a:t>Second level</a:t>
             </a:r>
           </a:p>
           <a:p>
             <a:pPr lvl="2"/>
             <a:r>
-              <a:rPr lang="en-US" smtClean="0"/>
+              <a:rPr lang="en-US"/>
               <a:t>Third level</a:t>
             </a:r>
           </a:p>
           <a:p>
             <a:pPr lvl="3"/>
             <a:r>
-              <a:rPr lang="en-US" smtClean="0"/>
+              <a:rPr lang="en-US"/>
               <a:t>Fourth level</a:t>
             </a:r>
           </a:p>
           <a:p>
             <a:pPr lvl="4"/>
             <a:r>
-              <a:rPr lang="en-US" smtClean="0"/>
+              <a:rPr lang="en-US"/>
               <a:t>Fifth level</a:t>
             </a:r>
-            <a:endParaRPr lang="en-US"/>
           </a:p>
         </p:txBody>
       </p:sp>
@@ -3541,38 +3503,37 @@
           <a:p>
             <a:pPr lvl="0"/>
             <a:r>
-              <a:rPr lang="en-US" smtClean="0"/>
+              <a:rPr lang="en-US"/>
               <a:t>Click to edit Master text styles</a:t>
             </a:r>
           </a:p>
           <a:p>
             <a:pPr lvl="1"/>
             <a:r>
-              <a:rPr lang="en-US" smtClean="0"/>
+              <a:rPr lang="en-US"/>
               <a:t>Second level</a:t>
             </a:r>
           </a:p>
           <a:p>
             <a:pPr lvl="2"/>
             <a:r>
-              <a:rPr lang="en-US" smtClean="0"/>
+              <a:rPr lang="en-US"/>
               <a:t>Third level</a:t>
             </a:r>
           </a:p>
           <a:p>
             <a:pPr lvl="3"/>
             <a:r>
-              <a:rPr lang="en-US" smtClean="0"/>
+              <a:rPr lang="en-US"/>
               <a:t>Fourth level</a:t>
             </a:r>
           </a:p>
           <a:p>
             <a:pPr lvl="4"/>
             <a:r>
-              <a:rPr lang="en-US" smtClean="0"/>
+              <a:rPr lang="en-US"/>
               <a:t>Fifth level</a:t>
             </a:r>
-            <a:endParaRPr lang="en-US"/>
           </a:p>
         </p:txBody>
       </p:sp>
@@ -3593,7 +3554,7 @@
           <a:p>
             <a:fld id="{51B9B08D-8601-41A3-B91E-8512BA77A3C3}" type="datetimeFigureOut">
               <a:rPr lang="en-US" smtClean="0"/>
-              <a:t>8/9/2017</a:t>
+              <a:t>30-Oct-18</a:t>
             </a:fld>
             <a:endParaRPr lang="en-US"/>
           </a:p>
@@ -3692,10 +3653,9 @@
           <a:lstStyle/>
           <a:p>
             <a:r>
-              <a:rPr lang="en-US" smtClean="0"/>
+              <a:rPr lang="en-US"/>
               <a:t>Click to edit Master title style</a:t>
             </a:r>
-            <a:endParaRPr lang="en-US"/>
           </a:p>
         </p:txBody>
       </p:sp>
@@ -3758,7 +3718,7 @@
           <a:p>
             <a:pPr lvl="0"/>
             <a:r>
-              <a:rPr lang="en-US" smtClean="0"/>
+              <a:rPr lang="en-US"/>
               <a:t>Click to edit Master text styles</a:t>
             </a:r>
           </a:p>
@@ -3786,38 +3746,37 @@
           <a:p>
             <a:pPr lvl="0"/>
             <a:r>
-              <a:rPr lang="en-US" smtClean="0"/>
+              <a:rPr lang="en-US"/>
               <a:t>Click to edit Master text styles</a:t>
             </a:r>
           </a:p>
           <a:p>
             <a:pPr lvl="1"/>
             <a:r>
-              <a:rPr lang="en-US" smtClean="0"/>
+              <a:rPr lang="en-US"/>
               <a:t>Second level</a:t>
             </a:r>
           </a:p>
           <a:p>
             <a:pPr lvl="2"/>
             <a:r>
-              <a:rPr lang="en-US" smtClean="0"/>
+              <a:rPr lang="en-US"/>
               <a:t>Third level</a:t>
             </a:r>
           </a:p>
           <a:p>
             <a:pPr lvl="3"/>
             <a:r>
-              <a:rPr lang="en-US" smtClean="0"/>
+              <a:rPr lang="en-US"/>
               <a:t>Fourth level</a:t>
             </a:r>
           </a:p>
           <a:p>
             <a:pPr lvl="4"/>
             <a:r>
-              <a:rPr lang="en-US" smtClean="0"/>
+              <a:rPr lang="en-US"/>
               <a:t>Fifth level</a:t>
             </a:r>
-            <a:endParaRPr lang="en-US"/>
           </a:p>
         </p:txBody>
       </p:sp>
@@ -3880,7 +3839,7 @@
           <a:p>
             <a:pPr lvl="0"/>
             <a:r>
-              <a:rPr lang="en-US" smtClean="0"/>
+              <a:rPr lang="en-US"/>
               <a:t>Click to edit Master text styles</a:t>
             </a:r>
           </a:p>
@@ -3908,38 +3867,37 @@
           <a:p>
             <a:pPr lvl="0"/>
             <a:r>
-              <a:rPr lang="en-US" smtClean="0"/>
+              <a:rPr lang="en-US"/>
               <a:t>Click to edit Master text styles</a:t>
             </a:r>
           </a:p>
           <a:p>
             <a:pPr lvl="1"/>
             <a:r>
-              <a:rPr lang="en-US" smtClean="0"/>
+              <a:rPr lang="en-US"/>
               <a:t>Second level</a:t>
             </a:r>
           </a:p>
           <a:p>
             <a:pPr lvl="2"/>
             <a:r>
-              <a:rPr lang="en-US" smtClean="0"/>
+              <a:rPr lang="en-US"/>
               <a:t>Third level</a:t>
             </a:r>
           </a:p>
           <a:p>
             <a:pPr lvl="3"/>
             <a:r>
-              <a:rPr lang="en-US" smtClean="0"/>
+              <a:rPr lang="en-US"/>
               <a:t>Fourth level</a:t>
             </a:r>
           </a:p>
           <a:p>
             <a:pPr lvl="4"/>
             <a:r>
-              <a:rPr lang="en-US" smtClean="0"/>
+              <a:rPr lang="en-US"/>
               <a:t>Fifth level</a:t>
             </a:r>
-            <a:endParaRPr lang="en-US"/>
           </a:p>
         </p:txBody>
       </p:sp>
@@ -3960,7 +3918,7 @@
           <a:p>
             <a:fld id="{51B9B08D-8601-41A3-B91E-8512BA77A3C3}" type="datetimeFigureOut">
               <a:rPr lang="en-US" smtClean="0"/>
-              <a:t>8/9/2017</a:t>
+              <a:t>30-Oct-18</a:t>
             </a:fld>
             <a:endParaRPr lang="en-US"/>
           </a:p>
@@ -4054,10 +4012,9 @@
           <a:lstStyle/>
           <a:p>
             <a:r>
-              <a:rPr lang="en-US" smtClean="0"/>
+              <a:rPr lang="en-US"/>
               <a:t>Click to edit Master title style</a:t>
             </a:r>
-            <a:endParaRPr lang="en-US"/>
           </a:p>
         </p:txBody>
       </p:sp>
@@ -4078,7 +4035,7 @@
           <a:p>
             <a:fld id="{51B9B08D-8601-41A3-B91E-8512BA77A3C3}" type="datetimeFigureOut">
               <a:rPr lang="en-US" smtClean="0"/>
-              <a:t>8/9/2017</a:t>
+              <a:t>30-Oct-18</a:t>
             </a:fld>
             <a:endParaRPr lang="en-US"/>
           </a:p>
@@ -4173,7 +4130,7 @@
           <a:p>
             <a:fld id="{51B9B08D-8601-41A3-B91E-8512BA77A3C3}" type="datetimeFigureOut">
               <a:rPr lang="en-US" smtClean="0"/>
-              <a:t>8/9/2017</a:t>
+              <a:t>30-Oct-18</a:t>
             </a:fld>
             <a:endParaRPr lang="en-US"/>
           </a:p>
@@ -4276,10 +4233,9 @@
           </a:lstStyle>
           <a:p>
             <a:r>
-              <a:rPr lang="en-US" smtClean="0"/>
+              <a:rPr lang="en-US"/>
               <a:t>Click to edit Master title style</a:t>
             </a:r>
-            <a:endParaRPr lang="en-US"/>
           </a:p>
         </p:txBody>
       </p:sp>
@@ -4333,38 +4289,37 @@
           <a:p>
             <a:pPr lvl="0"/>
             <a:r>
-              <a:rPr lang="en-US" smtClean="0"/>
+              <a:rPr lang="en-US"/>
               <a:t>Click to edit Master text styles</a:t>
             </a:r>
           </a:p>
           <a:p>
             <a:pPr lvl="1"/>
             <a:r>
-              <a:rPr lang="en-US" smtClean="0"/>
+              <a:rPr lang="en-US"/>
               <a:t>Second level</a:t>
             </a:r>
           </a:p>
           <a:p>
             <a:pPr lvl="2"/>
             <a:r>
-              <a:rPr lang="en-US" smtClean="0"/>
+              <a:rPr lang="en-US"/>
               <a:t>Third level</a:t>
             </a:r>
           </a:p>
           <a:p>
             <a:pPr lvl="3"/>
             <a:r>
-              <a:rPr lang="en-US" smtClean="0"/>
+              <a:rPr lang="en-US"/>
               <a:t>Fourth level</a:t>
             </a:r>
           </a:p>
           <a:p>
             <a:pPr lvl="4"/>
             <a:r>
-              <a:rPr lang="en-US" smtClean="0"/>
+              <a:rPr lang="en-US"/>
               <a:t>Fifth level</a:t>
             </a:r>
-            <a:endParaRPr lang="en-US"/>
           </a:p>
         </p:txBody>
       </p:sp>
@@ -4427,7 +4382,7 @@
           <a:p>
             <a:pPr lvl="0"/>
             <a:r>
-              <a:rPr lang="en-US" smtClean="0"/>
+              <a:rPr lang="en-US"/>
               <a:t>Click to edit Master text styles</a:t>
             </a:r>
           </a:p>
@@ -4450,7 +4405,7 @@
           <a:p>
             <a:fld id="{51B9B08D-8601-41A3-B91E-8512BA77A3C3}" type="datetimeFigureOut">
               <a:rPr lang="en-US" smtClean="0"/>
-              <a:t>8/9/2017</a:t>
+              <a:t>30-Oct-18</a:t>
             </a:fld>
             <a:endParaRPr lang="en-US"/>
           </a:p>
@@ -4553,10 +4508,9 @@
           </a:lstStyle>
           <a:p>
             <a:r>
-              <a:rPr lang="en-US" smtClean="0"/>
+              <a:rPr lang="en-US"/>
               <a:t>Click to edit Master title style</a:t>
             </a:r>
-            <a:endParaRPr lang="en-US"/>
           </a:p>
         </p:txBody>
       </p:sp>
@@ -4680,7 +4634,7 @@
           <a:p>
             <a:pPr lvl="0"/>
             <a:r>
-              <a:rPr lang="en-US" smtClean="0"/>
+              <a:rPr lang="en-US"/>
               <a:t>Click to edit Master text styles</a:t>
             </a:r>
           </a:p>
@@ -4703,7 +4657,7 @@
           <a:p>
             <a:fld id="{51B9B08D-8601-41A3-B91E-8512BA77A3C3}" type="datetimeFigureOut">
               <a:rPr lang="en-US" smtClean="0"/>
-              <a:t>8/9/2017</a:t>
+              <a:t>30-Oct-18</a:t>
             </a:fld>
             <a:endParaRPr lang="en-US"/>
           </a:p>
@@ -4812,10 +4766,9 @@
           <a:lstStyle/>
           <a:p>
             <a:r>
-              <a:rPr lang="en-US" smtClean="0"/>
+              <a:rPr lang="en-US"/>
               <a:t>Click to edit Master title style</a:t>
             </a:r>
-            <a:endParaRPr lang="en-US"/>
           </a:p>
         </p:txBody>
       </p:sp>
@@ -4846,38 +4799,37 @@
           <a:p>
             <a:pPr lvl="0"/>
             <a:r>
-              <a:rPr lang="en-US" smtClean="0"/>
+              <a:rPr lang="en-US"/>
               <a:t>Click to edit Master text styles</a:t>
             </a:r>
           </a:p>
           <a:p>
             <a:pPr lvl="1"/>
             <a:r>
-              <a:rPr lang="en-US" smtClean="0"/>
+              <a:rPr lang="en-US"/>
               <a:t>Second level</a:t>
             </a:r>
           </a:p>
           <a:p>
             <a:pPr lvl="2"/>
             <a:r>
-              <a:rPr lang="en-US" smtClean="0"/>
+              <a:rPr lang="en-US"/>
               <a:t>Third level</a:t>
             </a:r>
           </a:p>
           <a:p>
             <a:pPr lvl="3"/>
             <a:r>
-              <a:rPr lang="en-US" smtClean="0"/>
+              <a:rPr lang="en-US"/>
               <a:t>Fourth level</a:t>
             </a:r>
           </a:p>
           <a:p>
             <a:pPr lvl="4"/>
             <a:r>
-              <a:rPr lang="en-US" smtClean="0"/>
+              <a:rPr lang="en-US"/>
               <a:t>Fifth level</a:t>
             </a:r>
-            <a:endParaRPr lang="en-US"/>
           </a:p>
         </p:txBody>
       </p:sp>
@@ -4916,7 +4868,7 @@
           <a:p>
             <a:fld id="{51B9B08D-8601-41A3-B91E-8512BA77A3C3}" type="datetimeFigureOut">
               <a:rPr lang="en-US" smtClean="0"/>
-              <a:t>8/9/2017</a:t>
+              <a:t>30-Oct-18</a:t>
             </a:fld>
             <a:endParaRPr lang="en-US"/>
           </a:p>
@@ -5352,10 +5304,9 @@
           <a:lstStyle/>
           <a:p>
             <a:r>
-              <a:rPr lang="en-US" smtClean="0"/>
+              <a:rPr lang="en-US"/>
               <a:t>Click to edit Master title style</a:t>
             </a:r>
-            <a:endParaRPr lang="en-US"/>
           </a:p>
         </p:txBody>
       </p:sp>
@@ -5386,38 +5337,37 @@
           <a:p>
             <a:pPr lvl="0"/>
             <a:r>
-              <a:rPr lang="en-US" smtClean="0"/>
+              <a:rPr lang="en-US"/>
               <a:t>Click to edit Master text styles</a:t>
             </a:r>
           </a:p>
           <a:p>
             <a:pPr lvl="1"/>
             <a:r>
-              <a:rPr lang="en-US" smtClean="0"/>
+              <a:rPr lang="en-US"/>
               <a:t>Second level</a:t>
             </a:r>
           </a:p>
           <a:p>
             <a:pPr lvl="2"/>
             <a:r>
-              <a:rPr lang="en-US" smtClean="0"/>
+              <a:rPr lang="en-US"/>
               <a:t>Third level</a:t>
             </a:r>
           </a:p>
           <a:p>
             <a:pPr lvl="3"/>
             <a:r>
-              <a:rPr lang="en-US" smtClean="0"/>
+              <a:rPr lang="en-US"/>
               <a:t>Fourth level</a:t>
             </a:r>
           </a:p>
           <a:p>
             <a:pPr lvl="4"/>
             <a:r>
-              <a:rPr lang="en-US" smtClean="0"/>
+              <a:rPr lang="en-US"/>
               <a:t>Fifth level</a:t>
             </a:r>
-            <a:endParaRPr lang="en-US"/>
           </a:p>
         </p:txBody>
       </p:sp>
@@ -5456,7 +5406,7 @@
           <a:p>
             <a:fld id="{2C04DBC2-07EF-4742-87CC-7D83D9A82A6E}" type="datetimeFigureOut">
               <a:rPr lang="en-US" smtClean="0"/>
-              <a:t>8/9/2017</a:t>
+              <a:t>30-Oct-18</a:t>
             </a:fld>
             <a:endParaRPr lang="en-US"/>
           </a:p>
@@ -5561,13 +5511,6 @@
     <p:sldLayoutId id="2147483670" r:id="rId10"/>
     <p:sldLayoutId id="2147483671" r:id="rId11"/>
   </p:sldLayoutIdLst>
-  <p:timing>
-    <p:tnLst>
-      <p:par>
-        <p:cTn id="1" dur="indefinite" restart="never" nodeType="tmRoot"/>
-      </p:par>
-    </p:tnLst>
-  </p:timing>
   <p:txStyles>
     <p:titleStyle>
       <a:lvl1pPr algn="l" defTabSz="914400" rtl="0" eaLnBrk="1" latinLnBrk="0" hangingPunct="1">
@@ -5899,10 +5842,9 @@
           <a:lstStyle/>
           <a:p>
             <a:r>
-              <a:rPr lang="en-US" dirty="0" smtClean="0"/>
+              <a:rPr lang="en-US" dirty="0"/>
               <a:t>TARA</a:t>
             </a:r>
-            <a:endParaRPr lang="en-US" dirty="0"/>
           </a:p>
         </p:txBody>
       </p:sp>
@@ -5925,24 +5867,20 @@
           <a:p>
             <a:r>
               <a:rPr lang="en-US" sz="3800" dirty="0"/>
-              <a:t>b</a:t>
-            </a:r>
-            <a:r>
-              <a:rPr lang="en-US" sz="3800" dirty="0" smtClean="0"/>
-              <a:t>y </a:t>
-            </a:r>
-            <a:r>
-              <a:rPr lang="en-US" sz="3800" dirty="0" err="1" smtClean="0"/>
+              <a:t>by </a:t>
+            </a:r>
+            <a:r>
+              <a:rPr lang="en-US" sz="3800" dirty="0" err="1"/>
               <a:t>NewYug</a:t>
             </a:r>
             <a:r>
-              <a:rPr lang="en-US" sz="3800" dirty="0" smtClean="0"/>
+              <a:rPr lang="en-US" sz="3800" dirty="0"/>
               <a:t> Technologies</a:t>
             </a:r>
           </a:p>
           <a:p>
             <a:r>
-              <a:rPr lang="en-US" dirty="0" smtClean="0"/>
+              <a:rPr lang="en-US" dirty="0"/>
               <a:t>Mentored by Goa IT Professionals</a:t>
             </a:r>
           </a:p>
@@ -5951,23 +5889,14 @@
           </a:p>
           <a:p>
             <a:r>
-              <a:rPr lang="en-US" b="1" dirty="0" smtClean="0"/>
+              <a:rPr lang="en-US" b="1" dirty="0"/>
               <a:t>Mission:</a:t>
             </a:r>
-            <a:endParaRPr lang="en-US" b="1" dirty="0"/>
           </a:p>
           <a:p>
             <a:r>
               <a:rPr lang="en-US" b="1" i="1" u="sng" dirty="0"/>
-              <a:t>Make it convenient for every citizen to use Public Transport, </a:t>
-            </a:r>
-            <a:r>
-              <a:rPr lang="en-US" b="1" i="1" u="sng" dirty="0" smtClean="0"/>
-              <a:t>saving </a:t>
-            </a:r>
-            <a:r>
-              <a:rPr lang="en-US" b="1" i="1" u="sng" dirty="0"/>
-              <a:t>fuel and protecting the environment.</a:t>
+              <a:t>Make it convenient for every citizen to use Public Transport, saving fuel and protecting the environment.</a:t>
             </a:r>
             <a:endParaRPr lang="en-US" dirty="0"/>
           </a:p>
@@ -5986,13 +5915,6 @@
   <p:clrMapOvr>
     <a:masterClrMapping/>
   </p:clrMapOvr>
-  <p:timing>
-    <p:tnLst>
-      <p:par>
-        <p:cTn id="1" dur="indefinite" restart="never" nodeType="tmRoot"/>
-      </p:par>
-    </p:tnLst>
-  </p:timing>
 </p:sld>
 </file>
 
@@ -6029,94 +5951,92 @@
           <a:lstStyle/>
           <a:p>
             <a:r>
-              <a:rPr lang="en-US" dirty="0" smtClean="0"/>
+              <a:rPr lang="en-US" dirty="0"/>
               <a:t>Pricing</a:t>
             </a:r>
+          </a:p>
+        </p:txBody>
+      </p:sp>
+      <p:sp>
+        <p:nvSpPr>
+          <p:cNvPr id="3" name="Content Placeholder 2"/>
+          <p:cNvSpPr>
+            <a:spLocks noGrp="1"/>
+          </p:cNvSpPr>
+          <p:nvPr>
+            <p:ph idx="1"/>
+          </p:nvPr>
+        </p:nvSpPr>
+        <p:spPr/>
+        <p:txBody>
+          <a:bodyPr/>
+          <a:lstStyle/>
+          <a:p>
+            <a:r>
+              <a:rPr lang="en-US" dirty="0"/>
+              <a:t>At least 10% increase in passengers is expected</a:t>
+            </a:r>
+          </a:p>
+          <a:p>
+            <a:r>
+              <a:rPr lang="en-US" dirty="0"/>
+              <a:t>Annual subscription for TARA service is based on number of routes</a:t>
+            </a:r>
+          </a:p>
+          <a:p>
+            <a:r>
+              <a:rPr lang="en-US" dirty="0"/>
+              <a:t>Subscription cost for 1</a:t>
+            </a:r>
+            <a:r>
+              <a:rPr lang="en-US" baseline="30000" dirty="0"/>
+              <a:t>st</a:t>
+            </a:r>
+            <a:r>
+              <a:rPr lang="en-US" dirty="0"/>
+              <a:t> year is decided based on amount of effort for uploading data.</a:t>
+            </a:r>
+          </a:p>
+          <a:p>
+            <a:r>
+              <a:rPr lang="en-US" dirty="0"/>
+              <a:t>Subscription cost for 2</a:t>
+            </a:r>
+            <a:r>
+              <a:rPr lang="en-US" baseline="30000" dirty="0"/>
+              <a:t>nd</a:t>
+            </a:r>
+            <a:r>
+              <a:rPr lang="en-US" dirty="0"/>
+              <a:t> year and following years is half the cost for 1</a:t>
+            </a:r>
+            <a:r>
+              <a:rPr lang="en-US" baseline="30000" dirty="0"/>
+              <a:t>st</a:t>
+            </a:r>
+            <a:r>
+              <a:rPr lang="en-US" dirty="0"/>
+              <a:t> year.</a:t>
+            </a:r>
+          </a:p>
+          <a:p>
+            <a:r>
+              <a:rPr lang="en-US" dirty="0"/>
+              <a:t>Assuming no data is available with the agency, all data is entered from TARA application</a:t>
+            </a:r>
+          </a:p>
+          <a:p>
+            <a:r>
+              <a:rPr lang="en-US" dirty="0"/>
+              <a:t>If data is existent in another database, cost is significantly reduced</a:t>
+            </a:r>
+          </a:p>
+          <a:p>
+            <a:pPr lvl="1"/>
             <a:endParaRPr lang="en-US" dirty="0"/>
           </a:p>
-        </p:txBody>
-      </p:sp>
-      <p:sp>
-        <p:nvSpPr>
-          <p:cNvPr id="3" name="Content Placeholder 2"/>
-          <p:cNvSpPr>
-            <a:spLocks noGrp="1"/>
-          </p:cNvSpPr>
-          <p:nvPr>
-            <p:ph idx="1"/>
-          </p:nvPr>
-        </p:nvSpPr>
-        <p:spPr/>
-        <p:txBody>
-          <a:bodyPr/>
-          <a:lstStyle/>
-          <a:p>
-            <a:r>
-              <a:rPr lang="en-US" dirty="0" smtClean="0"/>
-              <a:t>At least 10% increase in passengers is expected</a:t>
-            </a:r>
-          </a:p>
-          <a:p>
-            <a:r>
-              <a:rPr lang="en-US" dirty="0" smtClean="0"/>
-              <a:t>Annual subscription for TARA service is based on number of routes</a:t>
-            </a:r>
-          </a:p>
-          <a:p>
-            <a:r>
-              <a:rPr lang="en-US" dirty="0" smtClean="0"/>
-              <a:t>Subscription cost for 1</a:t>
-            </a:r>
-            <a:r>
-              <a:rPr lang="en-US" baseline="30000" dirty="0" smtClean="0"/>
-              <a:t>st</a:t>
-            </a:r>
-            <a:r>
-              <a:rPr lang="en-US" dirty="0" smtClean="0"/>
-              <a:t> year is decided based on amount of effort for uploading data.</a:t>
-            </a:r>
-          </a:p>
-          <a:p>
-            <a:r>
-              <a:rPr lang="en-US" dirty="0" smtClean="0"/>
-              <a:t>Subscription cost for 2</a:t>
-            </a:r>
-            <a:r>
-              <a:rPr lang="en-US" baseline="30000" dirty="0" smtClean="0"/>
-              <a:t>nd</a:t>
-            </a:r>
-            <a:r>
-              <a:rPr lang="en-US" dirty="0" smtClean="0"/>
-              <a:t> year and following years is half the cost for 1</a:t>
-            </a:r>
-            <a:r>
-              <a:rPr lang="en-US" baseline="30000" dirty="0" smtClean="0"/>
-              <a:t>st</a:t>
-            </a:r>
-            <a:r>
-              <a:rPr lang="en-US" dirty="0" smtClean="0"/>
-              <a:t> year.</a:t>
-            </a:r>
-          </a:p>
-          <a:p>
-            <a:r>
-              <a:rPr lang="en-US" dirty="0" smtClean="0"/>
-              <a:t>Assuming no data is available with the agency, all data is entered from TARA application</a:t>
-            </a:r>
-          </a:p>
-          <a:p>
-            <a:r>
-              <a:rPr lang="en-US" dirty="0" smtClean="0"/>
-              <a:t>If data is existent in another database, cost is significantly reduced</a:t>
-            </a:r>
+          <a:p>
             <a:endParaRPr lang="en-US" dirty="0"/>
-          </a:p>
-          <a:p>
-            <a:pPr lvl="1"/>
-            <a:endParaRPr lang="en-US" dirty="0" smtClean="0"/>
-          </a:p>
-          <a:p>
-            <a:endParaRPr lang="en-US" dirty="0" smtClean="0"/>
           </a:p>
           <a:p>
             <a:endParaRPr lang="en-US" dirty="0"/>
@@ -6133,13 +6053,6 @@
   <p:clrMapOvr>
     <a:masterClrMapping/>
   </p:clrMapOvr>
-  <p:timing>
-    <p:tnLst>
-      <p:par>
-        <p:cTn id="1" dur="indefinite" restart="never" nodeType="tmRoot"/>
-      </p:par>
-    </p:tnLst>
-  </p:timing>
 </p:sld>
 </file>
 
@@ -6176,10 +6089,9 @@
           <a:lstStyle/>
           <a:p>
             <a:r>
-              <a:rPr lang="en-US" dirty="0" smtClean="0"/>
+              <a:rPr lang="en-US" dirty="0"/>
               <a:t>Any questions?</a:t>
             </a:r>
-            <a:endParaRPr lang="en-US" dirty="0"/>
           </a:p>
         </p:txBody>
       </p:sp>
@@ -6199,16 +6111,16 @@
           <a:lstStyle/>
           <a:p>
             <a:r>
-              <a:rPr lang="en-US" dirty="0" smtClean="0"/>
+              <a:rPr lang="en-US" dirty="0"/>
               <a:t>Contact us at </a:t>
             </a:r>
             <a:r>
-              <a:rPr lang="en-US" dirty="0" smtClean="0">
+              <a:rPr lang="en-US" dirty="0">
                 <a:hlinkClick r:id="rId2"/>
               </a:rPr>
               <a:t>newyug@googlegroups.com</a:t>
             </a:r>
-            <a:endParaRPr lang="en-US" dirty="0" smtClean="0"/>
+            <a:endParaRPr lang="en-US" dirty="0"/>
           </a:p>
           <a:p>
             <a:endParaRPr lang="en-US" dirty="0"/>
@@ -6225,13 +6137,6 @@
   <p:clrMapOvr>
     <a:masterClrMapping/>
   </p:clrMapOvr>
-  <p:timing>
-    <p:tnLst>
-      <p:par>
-        <p:cTn id="1" dur="indefinite" restart="never" nodeType="tmRoot"/>
-      </p:par>
-    </p:tnLst>
-  </p:timing>
 </p:sld>
 </file>
 
@@ -6268,10 +6173,9 @@
           <a:lstStyle/>
           <a:p>
             <a:r>
-              <a:rPr lang="en-US" dirty="0" smtClean="0"/>
+              <a:rPr lang="en-US" dirty="0"/>
               <a:t>Problem</a:t>
             </a:r>
-            <a:endParaRPr lang="en-US" dirty="0"/>
           </a:p>
         </p:txBody>
       </p:sp>
@@ -6298,32 +6202,24 @@
           <a:lstStyle/>
           <a:p>
             <a:r>
-              <a:rPr lang="en-US" dirty="0" smtClean="0"/>
+              <a:rPr lang="en-US" dirty="0"/>
               <a:t>Rampant rise in personal vehicles</a:t>
             </a:r>
           </a:p>
           <a:p>
             <a:r>
-              <a:rPr lang="en-US" dirty="0" smtClean="0"/>
+              <a:rPr lang="en-US" dirty="0"/>
               <a:t>Major toll on the state's infrastructure, peacefulness and environment</a:t>
             </a:r>
           </a:p>
           <a:p>
             <a:r>
-              <a:rPr lang="en-US" dirty="0" smtClean="0"/>
-              <a:t>Lack </a:t>
-            </a:r>
-            <a:r>
               <a:rPr lang="en-US" dirty="0"/>
-              <a:t>of awareness of public transport </a:t>
-            </a:r>
-            <a:r>
-              <a:rPr lang="en-US" dirty="0" smtClean="0"/>
-              <a:t>options</a:t>
-            </a:r>
-          </a:p>
-          <a:p>
-            <a:endParaRPr lang="en-US" dirty="0" smtClean="0"/>
+              <a:t>Lack of awareness of public transport options</a:t>
+            </a:r>
+          </a:p>
+          <a:p>
+            <a:endParaRPr lang="en-US" dirty="0"/>
           </a:p>
         </p:txBody>
       </p:sp>
@@ -6367,13 +6263,6 @@
   <p:clrMapOvr>
     <a:masterClrMapping/>
   </p:clrMapOvr>
-  <p:timing>
-    <p:tnLst>
-      <p:par>
-        <p:cTn id="1" dur="indefinite" restart="never" nodeType="tmRoot"/>
-      </p:par>
-    </p:tnLst>
-  </p:timing>
 </p:sld>
 </file>
 
@@ -6410,10 +6299,9 @@
           <a:lstStyle/>
           <a:p>
             <a:r>
-              <a:rPr lang="en-US" dirty="0" smtClean="0"/>
+              <a:rPr lang="en-US" dirty="0"/>
               <a:t>Solution</a:t>
             </a:r>
-            <a:endParaRPr lang="en-US" dirty="0"/>
           </a:p>
         </p:txBody>
       </p:sp>
@@ -6440,31 +6328,31 @@
           <a:lstStyle/>
           <a:p>
             <a:r>
-              <a:rPr lang="en-US" dirty="0" smtClean="0"/>
+              <a:rPr lang="en-US" dirty="0"/>
               <a:t>Provide public transport timetables and boarding points to citizens</a:t>
             </a:r>
           </a:p>
           <a:p>
             <a:r>
-              <a:rPr lang="en-US" dirty="0" smtClean="0"/>
+              <a:rPr lang="en-US" dirty="0"/>
               <a:t>Upload time-tables and boarding points to Google</a:t>
             </a:r>
           </a:p>
           <a:p>
             <a:r>
-              <a:rPr lang="en-US" dirty="0" smtClean="0"/>
+              <a:rPr lang="en-US" dirty="0"/>
               <a:t>Google displays public transport options on map</a:t>
             </a:r>
           </a:p>
           <a:p>
             <a:r>
-              <a:rPr lang="en-US" dirty="0" smtClean="0"/>
+              <a:rPr lang="en-US" dirty="0"/>
               <a:t>People will be able to plan their commute in advance</a:t>
             </a:r>
           </a:p>
           <a:p>
             <a:r>
-              <a:rPr lang="en-US" dirty="0" smtClean="0"/>
+              <a:rPr lang="en-US" dirty="0"/>
               <a:t>Gradual decrease in use of personal vehicles</a:t>
             </a:r>
           </a:p>
@@ -6510,13 +6398,6 @@
   <p:clrMapOvr>
     <a:masterClrMapping/>
   </p:clrMapOvr>
-  <p:timing>
-    <p:tnLst>
-      <p:par>
-        <p:cTn id="1" dur="indefinite" restart="never" nodeType="tmRoot"/>
-      </p:par>
-    </p:tnLst>
-  </p:timing>
 </p:sld>
 </file>
 
@@ -6553,10 +6434,9 @@
           <a:lstStyle/>
           <a:p>
             <a:r>
-              <a:rPr lang="en-US" dirty="0" smtClean="0"/>
+              <a:rPr lang="en-US" dirty="0"/>
               <a:t>Product – The TARA Project</a:t>
             </a:r>
-            <a:endParaRPr lang="en-US" dirty="0"/>
           </a:p>
         </p:txBody>
       </p:sp>
@@ -6584,28 +6464,28 @@
           <a:p>
             <a:pPr lvl="0"/>
             <a:r>
-              <a:rPr lang="en-US" sz="2400" dirty="0" smtClean="0"/>
+              <a:rPr lang="en-US" sz="2400" dirty="0"/>
               <a:t>Transit Agency Route Administrator (TARA)</a:t>
             </a:r>
           </a:p>
           <a:p>
             <a:pPr lvl="1"/>
             <a:r>
-              <a:rPr lang="en-US" sz="2000" dirty="0" smtClean="0"/>
+              <a:rPr lang="en-US" sz="2000" dirty="0"/>
               <a:t>Allows the transit agency to visually define the details of their fleet such as stops, routes, trips and timings.</a:t>
             </a:r>
           </a:p>
           <a:p>
             <a:pPr lvl="1"/>
             <a:r>
-              <a:rPr lang="en-US" sz="2000" dirty="0" smtClean="0"/>
+              <a:rPr lang="en-US" sz="2000" dirty="0"/>
               <a:t>Allows the fleet details to be managed on a Google Map using a very intuitive User Interface that greatly simplifies the entire process of uploading the data to Google.</a:t>
             </a:r>
           </a:p>
           <a:p>
             <a:pPr lvl="1"/>
             <a:r>
-              <a:rPr lang="en-US" sz="2000" dirty="0" smtClean="0"/>
+              <a:rPr lang="en-US" sz="2000" dirty="0"/>
               <a:t>Is multi-tenant and hence allows employees of multiple agencies to simultaneously work on the same product. </a:t>
             </a:r>
           </a:p>
@@ -6663,18 +6543,13 @@
               </a:spcAft>
             </a:pPr>
             <a:r>
-              <a:rPr lang="en-US" sz="1100" dirty="0" smtClean="0">
+              <a:rPr lang="en-US" sz="1100" dirty="0">
                 <a:effectLst/>
                 <a:ea typeface="Times New Roman" panose="02020603050405020304" pitchFamily="18" charset="0"/>
                 <a:cs typeface="Times New Roman" panose="02020603050405020304" pitchFamily="18" charset="0"/>
               </a:rPr>
               <a:t>TARA</a:t>
             </a:r>
-            <a:endParaRPr lang="en-US" sz="1100" dirty="0">
-              <a:effectLst/>
-              <a:ea typeface="Times New Roman" panose="02020603050405020304" pitchFamily="18" charset="0"/>
-              <a:cs typeface="Times New Roman" panose="02020603050405020304" pitchFamily="18" charset="0"/>
-            </a:endParaRPr>
           </a:p>
         </p:txBody>
       </p:sp>
@@ -7287,13 +7162,6 @@
   <p:clrMapOvr>
     <a:masterClrMapping/>
   </p:clrMapOvr>
-  <p:timing>
-    <p:tnLst>
-      <p:par>
-        <p:cTn id="1" dur="indefinite" restart="never" nodeType="tmRoot"/>
-      </p:par>
-    </p:tnLst>
-  </p:timing>
 </p:sld>
 </file>
 
@@ -7352,10 +7220,9 @@
           <a:lstStyle/>
           <a:p>
             <a:r>
-              <a:rPr lang="en-US" dirty="0" smtClean="0"/>
+              <a:rPr lang="en-US" dirty="0"/>
               <a:t>Passenger Experience on Google Maps</a:t>
             </a:r>
-            <a:endParaRPr lang="en-US" dirty="0"/>
           </a:p>
         </p:txBody>
       </p:sp>
@@ -7481,12 +7348,8 @@
           <a:lstStyle/>
           <a:p>
             <a:r>
-              <a:rPr lang="en-US" dirty="0" smtClean="0"/>
-              <a:t>Step-by-step </a:t>
-            </a:r>
-            <a:r>
               <a:rPr lang="en-US" dirty="0"/>
-              <a:t>directions including different modes such as Walking, Ferries, and Buses.</a:t>
+              <a:t>Step-by-step directions including different modes such as Walking, Ferries, and Buses.</a:t>
             </a:r>
           </a:p>
         </p:txBody>
@@ -7514,10 +7377,9 @@
           <a:lstStyle/>
           <a:p>
             <a:r>
-              <a:rPr lang="en-US" dirty="0" smtClean="0"/>
+              <a:rPr lang="en-US" dirty="0"/>
               <a:t>Timings for different trips from source to destination</a:t>
             </a:r>
-            <a:endParaRPr lang="en-US" dirty="0"/>
           </a:p>
         </p:txBody>
       </p:sp>
@@ -7544,10 +7406,9 @@
           <a:lstStyle/>
           <a:p>
             <a:r>
-              <a:rPr lang="en-US" dirty="0" smtClean="0"/>
+              <a:rPr lang="en-US" dirty="0"/>
               <a:t>Detailed display of chosen trip on a route</a:t>
             </a:r>
-            <a:endParaRPr lang="en-US" dirty="0"/>
           </a:p>
         </p:txBody>
       </p:sp>
@@ -7561,13 +7422,6 @@
   <p:clrMapOvr>
     <a:masterClrMapping/>
   </p:clrMapOvr>
-  <p:timing>
-    <p:tnLst>
-      <p:par>
-        <p:cTn id="1" dur="indefinite" restart="never" nodeType="tmRoot"/>
-      </p:par>
-    </p:tnLst>
-  </p:timing>
 </p:sld>
 </file>
 
@@ -7604,10 +7458,9 @@
           <a:lstStyle/>
           <a:p>
             <a:r>
-              <a:rPr lang="en-US" dirty="0" smtClean="0"/>
+              <a:rPr lang="en-US" dirty="0"/>
               <a:t>Our plus points</a:t>
             </a:r>
-            <a:endParaRPr lang="en-US" dirty="0"/>
           </a:p>
         </p:txBody>
       </p:sp>
@@ -7629,13 +7482,8 @@
             <a:pPr lvl="0"/>
             <a:r>
               <a:rPr lang="en-US" dirty="0"/>
-              <a:t>A company in Europe offers similar service at an annual rate of </a:t>
-            </a:r>
-            <a:r>
-              <a:rPr lang="en-US" dirty="0" smtClean="0"/>
-              <a:t>13 Lakhs for 250 routes.</a:t>
-            </a:r>
-            <a:endParaRPr lang="en-US" dirty="0"/>
+              <a:t>A company in Europe offers similar service at an annual rate of 13 Lakhs for 250 routes.</a:t>
+            </a:r>
           </a:p>
           <a:p>
             <a:pPr lvl="0"/>
@@ -7647,33 +7495,28 @@
           <a:p>
             <a:r>
               <a:rPr lang="en-US" dirty="0"/>
-              <a:t>The TARA application provides a much more simplified user interface for data entry that the competing </a:t>
-            </a:r>
-            <a:r>
-              <a:rPr lang="en-US" dirty="0" smtClean="0"/>
-              <a:t>application.</a:t>
-            </a:r>
-          </a:p>
-          <a:p>
-            <a:r>
-              <a:rPr lang="en-US" dirty="0" smtClean="0"/>
+              <a:t>The TARA application provides a much more simplified user interface for data entry that the competing application.</a:t>
+            </a:r>
+          </a:p>
+          <a:p>
+            <a:r>
+              <a:rPr lang="en-US" dirty="0"/>
               <a:t>Unique features</a:t>
             </a:r>
           </a:p>
           <a:p>
             <a:pPr lvl="1"/>
             <a:r>
-              <a:rPr lang="en-US" dirty="0" smtClean="0"/>
+              <a:rPr lang="en-US" dirty="0"/>
               <a:t>Auto-completion of trip timings</a:t>
             </a:r>
           </a:p>
           <a:p>
             <a:pPr lvl="1"/>
             <a:r>
-              <a:rPr lang="en-US" dirty="0" smtClean="0"/>
+              <a:rPr lang="en-US" dirty="0"/>
               <a:t>Support for stops across either side of roads</a:t>
             </a:r>
-            <a:endParaRPr lang="en-US" dirty="0"/>
           </a:p>
         </p:txBody>
       </p:sp>
@@ -7687,13 +7530,6 @@
   <p:clrMapOvr>
     <a:masterClrMapping/>
   </p:clrMapOvr>
-  <p:timing>
-    <p:tnLst>
-      <p:par>
-        <p:cTn id="1" dur="indefinite" restart="never" nodeType="tmRoot"/>
-      </p:par>
-    </p:tnLst>
-  </p:timing>
 </p:sld>
 </file>
 
@@ -7730,10 +7566,9 @@
           <a:lstStyle/>
           <a:p>
             <a:r>
-              <a:rPr lang="en-US" dirty="0" smtClean="0"/>
+              <a:rPr lang="en-US" dirty="0"/>
               <a:t>Achievements</a:t>
             </a:r>
-            <a:endParaRPr lang="en-US" dirty="0"/>
           </a:p>
         </p:txBody>
       </p:sp>
@@ -7755,29 +7590,29 @@
           <a:lstStyle/>
           <a:p>
             <a:r>
-              <a:rPr lang="en-US" b="1" dirty="0" smtClean="0"/>
+              <a:rPr lang="en-US" b="1" dirty="0"/>
               <a:t>Partnership with </a:t>
             </a:r>
             <a:r>
-              <a:rPr lang="en-US" b="1" dirty="0" err="1" smtClean="0"/>
+              <a:rPr lang="en-US" b="1" dirty="0" err="1"/>
               <a:t>Kadamba</a:t>
             </a:r>
             <a:r>
-              <a:rPr lang="en-US" b="1" dirty="0" smtClean="0"/>
+              <a:rPr lang="en-US" b="1" dirty="0"/>
               <a:t> and Goa Ferry Service</a:t>
             </a:r>
           </a:p>
           <a:p>
             <a:pPr lvl="1"/>
             <a:r>
-              <a:rPr lang="en-US" dirty="0" smtClean="0"/>
+              <a:rPr lang="en-US" dirty="0"/>
               <a:t>Got insights into operations of Transit agencies</a:t>
             </a:r>
           </a:p>
           <a:p>
             <a:pPr lvl="1"/>
             <a:r>
-              <a:rPr lang="en-US" dirty="0" smtClean="0"/>
+              <a:rPr lang="en-US" dirty="0"/>
               <a:t>Gone Live on 3 Sep 2016</a:t>
             </a:r>
           </a:p>
@@ -7785,49 +7620,35 @@
             <a:pPr lvl="1"/>
             <a:r>
               <a:rPr lang="en-US" dirty="0"/>
-              <a:t>Further Data entry in </a:t>
-            </a:r>
-            <a:r>
-              <a:rPr lang="en-US" dirty="0" smtClean="0"/>
-              <a:t>progress</a:t>
+              <a:t>Further Data entry in progress</a:t>
             </a:r>
           </a:p>
           <a:p>
             <a:pPr lvl="1"/>
             <a:r>
-              <a:rPr lang="en-US" dirty="0" smtClean="0"/>
+              <a:rPr lang="en-US" dirty="0"/>
               <a:t>Started with data entry for Maharashtra State Transport Corporation</a:t>
             </a:r>
-            <a:endParaRPr lang="en-US" dirty="0"/>
-          </a:p>
-          <a:p>
-            <a:r>
-              <a:rPr lang="en-US" b="1" dirty="0" smtClean="0"/>
-              <a:t>Future </a:t>
-            </a:r>
+          </a:p>
+          <a:p>
             <a:r>
               <a:rPr lang="en-US" b="1" dirty="0"/>
-              <a:t>enhancements</a:t>
+              <a:t>Future enhancements</a:t>
             </a:r>
           </a:p>
           <a:p>
             <a:pPr lvl="1"/>
             <a:r>
               <a:rPr lang="en-US" dirty="0"/>
-              <a:t>Further Improve the User Interface</a:t>
-            </a:r>
-            <a:r>
-              <a:rPr lang="en-US" dirty="0" smtClean="0"/>
-              <a:t>.</a:t>
+              <a:t>Further Improve the User Interface.</a:t>
             </a:r>
           </a:p>
           <a:p>
             <a:pPr lvl="1"/>
             <a:r>
-              <a:rPr lang="en-US" dirty="0" smtClean="0"/>
+              <a:rPr lang="en-US" dirty="0"/>
               <a:t>Include bus fare details on Google.</a:t>
             </a:r>
-            <a:endParaRPr lang="en-US" dirty="0"/>
           </a:p>
           <a:p>
             <a:pPr lvl="1"/>
@@ -7858,13 +7679,6 @@
   <p:clrMapOvr>
     <a:masterClrMapping/>
   </p:clrMapOvr>
-  <p:timing>
-    <p:tnLst>
-      <p:par>
-        <p:cTn id="1" dur="indefinite" restart="never" nodeType="tmRoot"/>
-      </p:par>
-    </p:tnLst>
-  </p:timing>
 </p:sld>
 </file>
 
@@ -7901,10 +7715,9 @@
           <a:lstStyle/>
           <a:p>
             <a:r>
-              <a:rPr lang="en-US" dirty="0" smtClean="0"/>
+              <a:rPr lang="en-US" dirty="0"/>
               <a:t>Points to note</a:t>
             </a:r>
-            <a:endParaRPr lang="en-US" dirty="0"/>
           </a:p>
         </p:txBody>
       </p:sp>
@@ -7931,34 +7744,33 @@
           <a:lstStyle/>
           <a:p>
             <a:r>
-              <a:rPr lang="en-US" dirty="0" smtClean="0"/>
+              <a:rPr lang="en-US" dirty="0"/>
               <a:t>Data entry operators need training to perform data entry</a:t>
             </a:r>
           </a:p>
           <a:p>
             <a:r>
-              <a:rPr lang="en-US" dirty="0" smtClean="0"/>
+              <a:rPr lang="en-US" dirty="0"/>
               <a:t>The best source of precise stop locations is a driver or a conductor</a:t>
             </a:r>
           </a:p>
           <a:p>
             <a:r>
-              <a:rPr lang="en-US" dirty="0" smtClean="0"/>
+              <a:rPr lang="en-US" dirty="0"/>
               <a:t>Data entry is done most effectively from a bus depot where drivers or conductors are present</a:t>
             </a:r>
           </a:p>
           <a:p>
             <a:r>
-              <a:rPr lang="en-US" dirty="0" smtClean="0"/>
+              <a:rPr lang="en-US" dirty="0"/>
               <a:t>Google performs extensive testing on uploaded data</a:t>
             </a:r>
           </a:p>
           <a:p>
             <a:r>
-              <a:rPr lang="en-US" dirty="0" smtClean="0"/>
+              <a:rPr lang="en-US" dirty="0"/>
               <a:t>It takes about 6 months to make the data Live on Google</a:t>
             </a:r>
-            <a:endParaRPr lang="en-US" dirty="0"/>
           </a:p>
         </p:txBody>
       </p:sp>
@@ -8002,13 +7814,6 @@
   <p:clrMapOvr>
     <a:masterClrMapping/>
   </p:clrMapOvr>
-  <p:timing>
-    <p:tnLst>
-      <p:par>
-        <p:cTn id="1" dur="indefinite" restart="never" nodeType="tmRoot"/>
-      </p:par>
-    </p:tnLst>
-  </p:timing>
 </p:sld>
 </file>
 
@@ -8045,14 +7850,9 @@
           <a:lstStyle/>
           <a:p>
             <a:r>
-              <a:rPr lang="en-US" dirty="0" smtClean="0"/>
-              <a:t>TARA for </a:t>
-            </a:r>
-            <a:r>
-              <a:rPr lang="en-US" dirty="0" smtClean="0"/>
-              <a:t>Department of Transport - Goa</a:t>
-            </a:r>
-            <a:endParaRPr lang="en-US" dirty="0"/>
+              <a:rPr lang="en-US" dirty="0"/>
+              <a:t>TARA for Panaji - Goa</a:t>
+            </a:r>
           </a:p>
         </p:txBody>
       </p:sp>
@@ -8079,7 +7879,7 @@
           <a:lstStyle/>
           <a:p>
             <a:r>
-              <a:rPr lang="en-US" sz="2000" b="1" dirty="0" smtClean="0"/>
+              <a:rPr lang="en-US" sz="2000" b="1" dirty="0"/>
               <a:t>Our approach</a:t>
             </a:r>
           </a:p>
@@ -8092,20 +7892,8 @@
               <a:buChar char="•"/>
             </a:pPr>
             <a:r>
-              <a:rPr lang="en-US" dirty="0" smtClean="0"/>
-              <a:t>Pull data from </a:t>
-            </a:r>
-            <a:r>
-              <a:rPr lang="en-US" dirty="0" smtClean="0"/>
-              <a:t>existing systems </a:t>
-            </a:r>
-            <a:r>
-              <a:rPr lang="en-US" dirty="0" smtClean="0"/>
-              <a:t>into </a:t>
-            </a:r>
-            <a:r>
-              <a:rPr lang="en-US" dirty="0" smtClean="0"/>
-              <a:t>TARA.</a:t>
+              <a:rPr lang="en-US" dirty="0"/>
+              <a:t>Pull data from existing systems into TARA.</a:t>
             </a:r>
           </a:p>
           <a:p>
@@ -8114,7 +7902,7 @@
               <a:buChar char="•"/>
             </a:pPr>
             <a:r>
-              <a:rPr lang="en-US" dirty="0" smtClean="0"/>
+              <a:rPr lang="en-US" dirty="0"/>
               <a:t>These may be Excel files or any other electronic format.</a:t>
             </a:r>
           </a:p>
@@ -8124,7 +7912,7 @@
               <a:buChar char="•"/>
             </a:pPr>
             <a:r>
-              <a:rPr lang="en-US" dirty="0" smtClean="0"/>
+              <a:rPr lang="en-US" dirty="0"/>
               <a:t>The files should have routes and timing information.</a:t>
             </a:r>
           </a:p>
@@ -8134,10 +7922,9 @@
               <a:buChar char="•"/>
             </a:pPr>
             <a:r>
-              <a:rPr lang="en-US" dirty="0" smtClean="0"/>
+              <a:rPr lang="en-US" dirty="0"/>
               <a:t>If such data is not available in electronic form, the TARA system allows manual data entry</a:t>
             </a:r>
-            <a:endParaRPr lang="en-US" dirty="0" smtClean="0"/>
           </a:p>
           <a:p>
             <a:pPr marL="285750" indent="-285750">
@@ -8145,16 +7932,8 @@
               <a:buChar char="•"/>
             </a:pPr>
             <a:r>
-              <a:rPr lang="en-US" dirty="0" smtClean="0"/>
-              <a:t>Train employees of </a:t>
-            </a:r>
-            <a:r>
-              <a:rPr lang="en-US" dirty="0" smtClean="0"/>
-              <a:t>Dept. of Transport </a:t>
-            </a:r>
-            <a:r>
-              <a:rPr lang="en-US" dirty="0" smtClean="0"/>
-              <a:t>to mark stop locations</a:t>
+              <a:rPr lang="en-US" dirty="0"/>
+              <a:t>Train employees of Dept. of Transport to mark stop locations</a:t>
             </a:r>
           </a:p>
           <a:p>
@@ -8163,7 +7942,7 @@
               <a:buChar char="•"/>
             </a:pPr>
             <a:r>
-              <a:rPr lang="en-US" dirty="0" smtClean="0"/>
+              <a:rPr lang="en-US" dirty="0"/>
               <a:t>Drivers/Conductors assist employees to locate stops on a map.</a:t>
             </a:r>
           </a:p>
@@ -8173,7 +7952,7 @@
               <a:buChar char="•"/>
             </a:pPr>
             <a:r>
-              <a:rPr lang="en-US" dirty="0" smtClean="0"/>
+              <a:rPr lang="en-US" dirty="0"/>
               <a:t>Data from TARA is exported to GTFS format expected by Google.</a:t>
             </a:r>
           </a:p>
@@ -8183,12 +7962,12 @@
               <a:buChar char="•"/>
             </a:pPr>
             <a:r>
-              <a:rPr lang="en-US" dirty="0" smtClean="0"/>
+              <a:rPr lang="en-US" dirty="0"/>
               <a:t>Google shows data on Google Maps.</a:t>
             </a:r>
           </a:p>
           <a:p>
-            <a:endParaRPr lang="en-US" dirty="0" smtClean="0"/>
+            <a:endParaRPr lang="en-US" dirty="0"/>
           </a:p>
           <a:p>
             <a:endParaRPr lang="en-US" dirty="0"/>
@@ -8205,13 +7984,6 @@
   <p:clrMapOvr>
     <a:masterClrMapping/>
   </p:clrMapOvr>
-  <p:timing>
-    <p:tnLst>
-      <p:par>
-        <p:cTn id="1" dur="indefinite" restart="never" nodeType="tmRoot"/>
-      </p:par>
-    </p:tnLst>
-  </p:timing>
 </p:sld>
 </file>
 
